--- a/kirill-kravtsov/Database cloning/database cloning.pptx
+++ b/kirill-kravtsov/Database cloning/database cloning.pptx
@@ -6,18 +6,19 @@
   </p:sldMasterIdLst>
   <p:sldIdLst>
     <p:sldId id="256" r:id="rId2"/>
-    <p:sldId id="260" r:id="rId3"/>
-    <p:sldId id="257" r:id="rId4"/>
-    <p:sldId id="259" r:id="rId5"/>
-    <p:sldId id="261" r:id="rId6"/>
-    <p:sldId id="262" r:id="rId7"/>
-    <p:sldId id="263" r:id="rId8"/>
-    <p:sldId id="264" r:id="rId9"/>
-    <p:sldId id="265" r:id="rId10"/>
-    <p:sldId id="266" r:id="rId11"/>
-    <p:sldId id="267" r:id="rId12"/>
-    <p:sldId id="268" r:id="rId13"/>
-    <p:sldId id="269" r:id="rId14"/>
+    <p:sldId id="270" r:id="rId3"/>
+    <p:sldId id="260" r:id="rId4"/>
+    <p:sldId id="257" r:id="rId5"/>
+    <p:sldId id="259" r:id="rId6"/>
+    <p:sldId id="261" r:id="rId7"/>
+    <p:sldId id="262" r:id="rId8"/>
+    <p:sldId id="263" r:id="rId9"/>
+    <p:sldId id="264" r:id="rId10"/>
+    <p:sldId id="265" r:id="rId11"/>
+    <p:sldId id="266" r:id="rId12"/>
+    <p:sldId id="267" r:id="rId13"/>
+    <p:sldId id="268" r:id="rId14"/>
+    <p:sldId id="269" r:id="rId15"/>
   </p:sldIdLst>
   <p:sldSz cx="12192000" cy="6858000"/>
   <p:notesSz cx="6858000" cy="9144000"/>
@@ -1486,6 +1487,13 @@
         </dgm:presLayoutVars>
       </dgm:prSet>
       <dgm:spPr/>
+      <dgm:t>
+        <a:bodyPr/>
+        <a:lstStyle/>
+        <a:p>
+          <a:endParaRPr lang="en-US"/>
+        </a:p>
+      </dgm:t>
     </dgm:pt>
     <dgm:pt modelId="{9D0CB65F-B9B5-4CF2-832D-ADD65E76DEFD}" type="pres">
       <dgm:prSet presAssocID="{7512A80D-79D1-43BE-893A-042378E5F34A}" presName="composite" presStyleCnt="0"/>
@@ -1505,7 +1513,7 @@
             </a:duotone>
             <a:extLst>
               <a:ext uri="{96DAC541-7B7A-43D3-8B79-37D633B846F1}">
-                <asvg:svgBlip xmlns:asvg="http://schemas.microsoft.com/office/drawing/2016/SVG/main" r:embed="rId2"/>
+                <asvg:svgBlip xmlns:asvg="http://schemas.microsoft.com/office/drawing/2016/SVG/main" xmlns="" r:embed="rId2"/>
               </a:ext>
             </a:extLst>
           </a:blip>
@@ -1538,6 +1546,13 @@
         </dgm:presLayoutVars>
       </dgm:prSet>
       <dgm:spPr/>
+      <dgm:t>
+        <a:bodyPr/>
+        <a:lstStyle/>
+        <a:p>
+          <a:endParaRPr lang="en-US"/>
+        </a:p>
+      </dgm:t>
     </dgm:pt>
     <dgm:pt modelId="{BF34DFB5-0A8B-4144-B8FA-695990E8350A}" type="pres">
       <dgm:prSet presAssocID="{7341C135-97F6-47A5-AE45-98E5A1A97095}" presName="spacing" presStyleCnt="0"/>
@@ -1555,7 +1570,7 @@
             <a:lum bright="70000" contrast="-70000"/>
             <a:extLst>
               <a:ext uri="{96DAC541-7B7A-43D3-8B79-37D633B846F1}">
-                <asvg:svgBlip xmlns:asvg="http://schemas.microsoft.com/office/drawing/2016/SVG/main" r:embed="rId2"/>
+                <asvg:svgBlip xmlns:asvg="http://schemas.microsoft.com/office/drawing/2016/SVG/main" xmlns="" r:embed="rId2"/>
               </a:ext>
             </a:extLst>
           </a:blip>
@@ -1588,6 +1603,13 @@
         </dgm:presLayoutVars>
       </dgm:prSet>
       <dgm:spPr/>
+      <dgm:t>
+        <a:bodyPr/>
+        <a:lstStyle/>
+        <a:p>
+          <a:endParaRPr lang="en-US"/>
+        </a:p>
+      </dgm:t>
     </dgm:pt>
     <dgm:pt modelId="{41F0A3F5-C0D8-4991-9881-99D7F7498CC3}" type="pres">
       <dgm:prSet presAssocID="{C6E187F4-1735-4C2E-BD35-82B5088BB4C7}" presName="spacing" presStyleCnt="0"/>
@@ -1611,7 +1633,7 @@
             </a:duotone>
             <a:extLst>
               <a:ext uri="{96DAC541-7B7A-43D3-8B79-37D633B846F1}">
-                <asvg:svgBlip xmlns:asvg="http://schemas.microsoft.com/office/drawing/2016/SVG/main" r:embed="rId2"/>
+                <asvg:svgBlip xmlns:asvg="http://schemas.microsoft.com/office/drawing/2016/SVG/main" xmlns="" r:embed="rId2"/>
               </a:ext>
             </a:extLst>
           </a:blip>
@@ -1644,31 +1666,38 @@
         </dgm:presLayoutVars>
       </dgm:prSet>
       <dgm:spPr/>
+      <dgm:t>
+        <a:bodyPr/>
+        <a:lstStyle/>
+        <a:p>
+          <a:endParaRPr lang="en-US"/>
+        </a:p>
+      </dgm:t>
     </dgm:pt>
   </dgm:ptLst>
   <dgm:cxnLst>
+    <dgm:cxn modelId="{28372E3F-E1B8-4EEB-8C4D-5CC8FB47B772}" type="presOf" srcId="{5F343006-55AC-45F6-84A7-E1A2F0ED9C6D}" destId="{7D8403F7-44CA-466B-8F96-F34C5495A8FA}" srcOrd="0" destOrd="2" presId="urn:microsoft.com/office/officeart/2005/8/layout/vList3"/>
+    <dgm:cxn modelId="{6333852B-6903-4B6A-9C5A-64088802FB15}" srcId="{AE49C51E-AD95-4DDB-BE4E-F4F66E6E6B55}" destId="{7512A80D-79D1-43BE-893A-042378E5F34A}" srcOrd="0" destOrd="0" parTransId="{50B8C7E9-98C9-4589-ACD5-D5DFBF6F6D11}" sibTransId="{7341C135-97F6-47A5-AE45-98E5A1A97095}"/>
     <dgm:cxn modelId="{D41DE419-F4A0-47C9-8F4B-D9FCE0268FC1}" type="presOf" srcId="{C0DBEAE6-4589-4A21-96D7-309E7A768FC1}" destId="{0E9B26F9-12D4-444C-841D-AB5E90FAADCA}" srcOrd="0" destOrd="1" presId="urn:microsoft.com/office/officeart/2005/8/layout/vList3"/>
+    <dgm:cxn modelId="{16E4B497-0D71-4C4E-BAF7-C34F873CA2D3}" type="presOf" srcId="{AC64DB90-6FE4-4512-A35D-96DB3CC1D45B}" destId="{EC200FFB-6B32-4434-B96B-5750736870F6}" srcOrd="0" destOrd="2" presId="urn:microsoft.com/office/officeart/2005/8/layout/vList3"/>
     <dgm:cxn modelId="{6F23EA1B-071E-4099-9218-0F8D9635B089}" srcId="{8E5C0068-9F5F-482C-9A26-52C236D3364E}" destId="{AC64DB90-6FE4-4512-A35D-96DB3CC1D45B}" srcOrd="1" destOrd="0" parTransId="{F2021BFB-5DBE-44C3-AB9F-D4D48B9D9D95}" sibTransId="{44EBD2BF-D534-481A-BF81-7A2CD773102F}"/>
+    <dgm:cxn modelId="{088A2BAF-E243-48DB-BEE1-7EA91E7AB384}" type="presOf" srcId="{8A6EB118-EC2F-4263-BD9D-F76477C22ED6}" destId="{7D8403F7-44CA-466B-8F96-F34C5495A8FA}" srcOrd="0" destOrd="1" presId="urn:microsoft.com/office/officeart/2005/8/layout/vList3"/>
+    <dgm:cxn modelId="{FDB348DF-1255-4E89-B05F-2F36D304A2B4}" type="presOf" srcId="{2B2F1B84-C671-42BB-B327-975FDFC5CC28}" destId="{7D8403F7-44CA-466B-8F96-F34C5495A8FA}" srcOrd="0" destOrd="3" presId="urn:microsoft.com/office/officeart/2005/8/layout/vList3"/>
+    <dgm:cxn modelId="{21127692-0CE8-460E-97EA-0B46739C413D}" srcId="{7512A80D-79D1-43BE-893A-042378E5F34A}" destId="{2B2F1B84-C671-42BB-B327-975FDFC5CC28}" srcOrd="2" destOrd="0" parTransId="{A39BA197-328C-4B4A-8931-DF58AA0F965D}" sibTransId="{733E3BDB-58E2-4EA3-BD3D-108356A8604D}"/>
+    <dgm:cxn modelId="{8DE262B5-C859-4C07-9F15-29CC91027A80}" type="presOf" srcId="{AE49C51E-AD95-4DDB-BE4E-F4F66E6E6B55}" destId="{5025F4E8-91A0-4CA8-B9DF-25AD1D2E56D1}" srcOrd="0" destOrd="0" presId="urn:microsoft.com/office/officeart/2005/8/layout/vList3"/>
+    <dgm:cxn modelId="{1D50186D-B95B-4CBB-A726-2E2CE9F628A9}" type="presOf" srcId="{650CFCE3-79FE-498E-BE4E-9A8F9C5EE6A3}" destId="{0E9B26F9-12D4-444C-841D-AB5E90FAADCA}" srcOrd="0" destOrd="0" presId="urn:microsoft.com/office/officeart/2005/8/layout/vList3"/>
+    <dgm:cxn modelId="{A266B440-99D1-4724-9D11-D98B5269D2A1}" srcId="{8E5C0068-9F5F-482C-9A26-52C236D3364E}" destId="{B0EC56A3-03A3-4320-812A-D0FCE38F8D8D}" srcOrd="0" destOrd="0" parTransId="{023965E2-840A-4AB6-B8D9-97A2B9AB5E0F}" sibTransId="{F699A0DE-D627-4A58-A384-CB39F0A2E075}"/>
+    <dgm:cxn modelId="{C55FAA8A-0128-4BC6-9858-7932441D3DBD}" type="presOf" srcId="{7512A80D-79D1-43BE-893A-042378E5F34A}" destId="{7D8403F7-44CA-466B-8F96-F34C5495A8FA}" srcOrd="0" destOrd="0" presId="urn:microsoft.com/office/officeart/2005/8/layout/vList3"/>
+    <dgm:cxn modelId="{C9DA3B3F-84CB-4A5B-9314-778A33B1E1CA}" srcId="{650CFCE3-79FE-498E-BE4E-9A8F9C5EE6A3}" destId="{C0DBEAE6-4589-4A21-96D7-309E7A768FC1}" srcOrd="0" destOrd="0" parTransId="{9C6A7853-89CE-40AC-83A8-F07FC73F833A}" sibTransId="{D826C9C0-7B05-4312-BAB9-A48D43D79BFC}"/>
+    <dgm:cxn modelId="{1BEB42D2-0620-46DF-AE9E-F94D2C56ECA9}" type="presOf" srcId="{2EACBC4C-C418-40F8-AE63-FA60D74A2B61}" destId="{0E9B26F9-12D4-444C-841D-AB5E90FAADCA}" srcOrd="0" destOrd="2" presId="urn:microsoft.com/office/officeart/2005/8/layout/vList3"/>
+    <dgm:cxn modelId="{DB92236A-A55D-40C1-BC97-E4080FEE496D}" srcId="{650CFCE3-79FE-498E-BE4E-9A8F9C5EE6A3}" destId="{EF3198CC-A707-463C-BC16-2035D8E5DE37}" srcOrd="2" destOrd="0" parTransId="{FB927446-E98B-476A-B181-796035D5F29B}" sibTransId="{425931C5-12D8-4765-BFFF-B73BD1B44395}"/>
+    <dgm:cxn modelId="{F27ABEB4-35EF-45B5-90F7-20E928814DFC}" srcId="{AE49C51E-AD95-4DDB-BE4E-F4F66E6E6B55}" destId="{8E5C0068-9F5F-482C-9A26-52C236D3364E}" srcOrd="1" destOrd="0" parTransId="{7A8A3300-98F3-4C2D-8500-C0CD3A21AC55}" sibTransId="{C6E187F4-1735-4C2E-BD35-82B5088BB4C7}"/>
+    <dgm:cxn modelId="{55921B88-DAD3-48A2-8D96-260F426DCECA}" srcId="{650CFCE3-79FE-498E-BE4E-9A8F9C5EE6A3}" destId="{2EACBC4C-C418-40F8-AE63-FA60D74A2B61}" srcOrd="1" destOrd="0" parTransId="{211ED0BD-EDED-4BD8-AB6E-E768CB00BCC4}" sibTransId="{FB79A0EE-73AB-49A2-A5AA-BD6BE5256D6A}"/>
+    <dgm:cxn modelId="{8A1634CC-9793-4C7E-A948-A992D7FC37D3}" srcId="{7512A80D-79D1-43BE-893A-042378E5F34A}" destId="{5F343006-55AC-45F6-84A7-E1A2F0ED9C6D}" srcOrd="1" destOrd="0" parTransId="{D86D8AB9-5A98-4D5B-8F2E-93EC4364F7A5}" sibTransId="{C569D145-347C-4B88-9A65-D38011460826}"/>
     <dgm:cxn modelId="{A5AC0926-942F-4E5D-8BEC-9092FF5A03E1}" type="presOf" srcId="{EF3198CC-A707-463C-BC16-2035D8E5DE37}" destId="{0E9B26F9-12D4-444C-841D-AB5E90FAADCA}" srcOrd="0" destOrd="3" presId="urn:microsoft.com/office/officeart/2005/8/layout/vList3"/>
-    <dgm:cxn modelId="{6333852B-6903-4B6A-9C5A-64088802FB15}" srcId="{AE49C51E-AD95-4DDB-BE4E-F4F66E6E6B55}" destId="{7512A80D-79D1-43BE-893A-042378E5F34A}" srcOrd="0" destOrd="0" parTransId="{50B8C7E9-98C9-4589-ACD5-D5DFBF6F6D11}" sibTransId="{7341C135-97F6-47A5-AE45-98E5A1A97095}"/>
-    <dgm:cxn modelId="{28372E3F-E1B8-4EEB-8C4D-5CC8FB47B772}" type="presOf" srcId="{5F343006-55AC-45F6-84A7-E1A2F0ED9C6D}" destId="{7D8403F7-44CA-466B-8F96-F34C5495A8FA}" srcOrd="0" destOrd="2" presId="urn:microsoft.com/office/officeart/2005/8/layout/vList3"/>
-    <dgm:cxn modelId="{C9DA3B3F-84CB-4A5B-9314-778A33B1E1CA}" srcId="{650CFCE3-79FE-498E-BE4E-9A8F9C5EE6A3}" destId="{C0DBEAE6-4589-4A21-96D7-309E7A768FC1}" srcOrd="0" destOrd="0" parTransId="{9C6A7853-89CE-40AC-83A8-F07FC73F833A}" sibTransId="{D826C9C0-7B05-4312-BAB9-A48D43D79BFC}"/>
-    <dgm:cxn modelId="{A266B440-99D1-4724-9D11-D98B5269D2A1}" srcId="{8E5C0068-9F5F-482C-9A26-52C236D3364E}" destId="{B0EC56A3-03A3-4320-812A-D0FCE38F8D8D}" srcOrd="0" destOrd="0" parTransId="{023965E2-840A-4AB6-B8D9-97A2B9AB5E0F}" sibTransId="{F699A0DE-D627-4A58-A384-CB39F0A2E075}"/>
     <dgm:cxn modelId="{9F63AD5F-E8B1-4314-88A9-25A4AC9F32D5}" srcId="{7512A80D-79D1-43BE-893A-042378E5F34A}" destId="{8A6EB118-EC2F-4263-BD9D-F76477C22ED6}" srcOrd="0" destOrd="0" parTransId="{A6151B56-509B-4D45-AA41-88865DD61AEF}" sibTransId="{0BB92ACB-9AEE-41E5-A859-B3DE22E21CFE}"/>
-    <dgm:cxn modelId="{DB92236A-A55D-40C1-BC97-E4080FEE496D}" srcId="{650CFCE3-79FE-498E-BE4E-9A8F9C5EE6A3}" destId="{EF3198CC-A707-463C-BC16-2035D8E5DE37}" srcOrd="2" destOrd="0" parTransId="{FB927446-E98B-476A-B181-796035D5F29B}" sibTransId="{425931C5-12D8-4765-BFFF-B73BD1B44395}"/>
-    <dgm:cxn modelId="{1D50186D-B95B-4CBB-A726-2E2CE9F628A9}" type="presOf" srcId="{650CFCE3-79FE-498E-BE4E-9A8F9C5EE6A3}" destId="{0E9B26F9-12D4-444C-841D-AB5E90FAADCA}" srcOrd="0" destOrd="0" presId="urn:microsoft.com/office/officeart/2005/8/layout/vList3"/>
     <dgm:cxn modelId="{9BCAD579-04D2-4099-A4A8-D5953571ADF4}" type="presOf" srcId="{8E5C0068-9F5F-482C-9A26-52C236D3364E}" destId="{EC200FFB-6B32-4434-B96B-5750736870F6}" srcOrd="0" destOrd="0" presId="urn:microsoft.com/office/officeart/2005/8/layout/vList3"/>
-    <dgm:cxn modelId="{55921B88-DAD3-48A2-8D96-260F426DCECA}" srcId="{650CFCE3-79FE-498E-BE4E-9A8F9C5EE6A3}" destId="{2EACBC4C-C418-40F8-AE63-FA60D74A2B61}" srcOrd="1" destOrd="0" parTransId="{211ED0BD-EDED-4BD8-AB6E-E768CB00BCC4}" sibTransId="{FB79A0EE-73AB-49A2-A5AA-BD6BE5256D6A}"/>
-    <dgm:cxn modelId="{C55FAA8A-0128-4BC6-9858-7932441D3DBD}" type="presOf" srcId="{7512A80D-79D1-43BE-893A-042378E5F34A}" destId="{7D8403F7-44CA-466B-8F96-F34C5495A8FA}" srcOrd="0" destOrd="0" presId="urn:microsoft.com/office/officeart/2005/8/layout/vList3"/>
     <dgm:cxn modelId="{D6E59591-E61A-46EB-9958-6389F675F7B2}" type="presOf" srcId="{B0EC56A3-03A3-4320-812A-D0FCE38F8D8D}" destId="{EC200FFB-6B32-4434-B96B-5750736870F6}" srcOrd="0" destOrd="1" presId="urn:microsoft.com/office/officeart/2005/8/layout/vList3"/>
-    <dgm:cxn modelId="{21127692-0CE8-460E-97EA-0B46739C413D}" srcId="{7512A80D-79D1-43BE-893A-042378E5F34A}" destId="{2B2F1B84-C671-42BB-B327-975FDFC5CC28}" srcOrd="2" destOrd="0" parTransId="{A39BA197-328C-4B4A-8931-DF58AA0F965D}" sibTransId="{733E3BDB-58E2-4EA3-BD3D-108356A8604D}"/>
-    <dgm:cxn modelId="{16E4B497-0D71-4C4E-BAF7-C34F873CA2D3}" type="presOf" srcId="{AC64DB90-6FE4-4512-A35D-96DB3CC1D45B}" destId="{EC200FFB-6B32-4434-B96B-5750736870F6}" srcOrd="0" destOrd="2" presId="urn:microsoft.com/office/officeart/2005/8/layout/vList3"/>
-    <dgm:cxn modelId="{088A2BAF-E243-48DB-BEE1-7EA91E7AB384}" type="presOf" srcId="{8A6EB118-EC2F-4263-BD9D-F76477C22ED6}" destId="{7D8403F7-44CA-466B-8F96-F34C5495A8FA}" srcOrd="0" destOrd="1" presId="urn:microsoft.com/office/officeart/2005/8/layout/vList3"/>
-    <dgm:cxn modelId="{F27ABEB4-35EF-45B5-90F7-20E928814DFC}" srcId="{AE49C51E-AD95-4DDB-BE4E-F4F66E6E6B55}" destId="{8E5C0068-9F5F-482C-9A26-52C236D3364E}" srcOrd="1" destOrd="0" parTransId="{7A8A3300-98F3-4C2D-8500-C0CD3A21AC55}" sibTransId="{C6E187F4-1735-4C2E-BD35-82B5088BB4C7}"/>
-    <dgm:cxn modelId="{8DE262B5-C859-4C07-9F15-29CC91027A80}" type="presOf" srcId="{AE49C51E-AD95-4DDB-BE4E-F4F66E6E6B55}" destId="{5025F4E8-91A0-4CA8-B9DF-25AD1D2E56D1}" srcOrd="0" destOrd="0" presId="urn:microsoft.com/office/officeart/2005/8/layout/vList3"/>
-    <dgm:cxn modelId="{8A1634CC-9793-4C7E-A948-A992D7FC37D3}" srcId="{7512A80D-79D1-43BE-893A-042378E5F34A}" destId="{5F343006-55AC-45F6-84A7-E1A2F0ED9C6D}" srcOrd="1" destOrd="0" parTransId="{D86D8AB9-5A98-4D5B-8F2E-93EC4364F7A5}" sibTransId="{C569D145-347C-4B88-9A65-D38011460826}"/>
-    <dgm:cxn modelId="{1BEB42D2-0620-46DF-AE9E-F94D2C56ECA9}" type="presOf" srcId="{2EACBC4C-C418-40F8-AE63-FA60D74A2B61}" destId="{0E9B26F9-12D4-444C-841D-AB5E90FAADCA}" srcOrd="0" destOrd="2" presId="urn:microsoft.com/office/officeart/2005/8/layout/vList3"/>
-    <dgm:cxn modelId="{FDB348DF-1255-4E89-B05F-2F36D304A2B4}" type="presOf" srcId="{2B2F1B84-C671-42BB-B327-975FDFC5CC28}" destId="{7D8403F7-44CA-466B-8F96-F34C5495A8FA}" srcOrd="0" destOrd="3" presId="urn:microsoft.com/office/officeart/2005/8/layout/vList3"/>
     <dgm:cxn modelId="{299468F3-C02E-4834-8F87-008CA40222F8}" srcId="{AE49C51E-AD95-4DDB-BE4E-F4F66E6E6B55}" destId="{650CFCE3-79FE-498E-BE4E-9A8F9C5EE6A3}" srcOrd="2" destOrd="0" parTransId="{6176CC3B-610C-44DC-AC5F-457D904A7D17}" sibTransId="{3D849026-561E-4494-BCFF-2E57820CCE3E}"/>
     <dgm:cxn modelId="{D44BB058-C007-4010-9F01-83AF9CA932C0}" type="presParOf" srcId="{5025F4E8-91A0-4CA8-B9DF-25AD1D2E56D1}" destId="{9D0CB65F-B9B5-4CF2-832D-ADD65E76DEFD}" srcOrd="0" destOrd="0" presId="urn:microsoft.com/office/officeart/2005/8/layout/vList3"/>
     <dgm:cxn modelId="{841FE01B-C434-4379-93FE-2F2DE9D16571}" type="presParOf" srcId="{9D0CB65F-B9B5-4CF2-832D-ADD65E76DEFD}" destId="{6D4F0D79-A0D1-4A02-AAF5-2E3E391179DD}" srcOrd="0" destOrd="0" presId="urn:microsoft.com/office/officeart/2005/8/layout/vList3"/>
@@ -1752,7 +1781,7 @@
         </a:bodyPr>
         <a:lstStyle/>
         <a:p>
-          <a:pPr marL="0" lvl="0" indent="0" algn="l" defTabSz="933450">
+          <a:pPr lvl="0" algn="l" defTabSz="933450">
             <a:lnSpc>
               <a:spcPct val="90000"/>
             </a:lnSpc>
@@ -1762,7 +1791,6 @@
             <a:spcAft>
               <a:spcPct val="35000"/>
             </a:spcAft>
-            <a:buNone/>
           </a:pPr>
           <a:r>
             <a:rPr lang="en-US" sz="2100" kern="1200"/>
@@ -1780,7 +1808,7 @@
             <a:spcAft>
               <a:spcPct val="15000"/>
             </a:spcAft>
-            <a:buChar char="•"/>
+            <a:buChar char="••"/>
           </a:pPr>
           <a:r>
             <a:rPr lang="en-US" sz="1600" kern="1200" dirty="0"/>
@@ -1798,7 +1826,7 @@
             <a:spcAft>
               <a:spcPct val="15000"/>
             </a:spcAft>
-            <a:buChar char="•"/>
+            <a:buChar char="••"/>
           </a:pPr>
           <a:r>
             <a:rPr lang="en-US" sz="1600" kern="1200" dirty="0"/>
@@ -1816,7 +1844,7 @@
             <a:spcAft>
               <a:spcPct val="15000"/>
             </a:spcAft>
-            <a:buChar char="•"/>
+            <a:buChar char="••"/>
           </a:pPr>
           <a:r>
             <a:rPr lang="en-US" sz="1600" kern="1200"/>
@@ -1854,7 +1882,7 @@
             </a:duotone>
             <a:extLst>
               <a:ext uri="{96DAC541-7B7A-43D3-8B79-37D633B846F1}">
-                <asvg:svgBlip xmlns:asvg="http://schemas.microsoft.com/office/drawing/2016/SVG/main" r:embed="rId2"/>
+                <asvg:svgBlip xmlns:asvg="http://schemas.microsoft.com/office/drawing/2016/SVG/main" xmlns="" r:embed="rId2"/>
               </a:ext>
             </a:extLst>
           </a:blip>
@@ -1936,7 +1964,7 @@
         </a:bodyPr>
         <a:lstStyle/>
         <a:p>
-          <a:pPr marL="0" lvl="0" indent="0" algn="l" defTabSz="933450">
+          <a:pPr lvl="0" algn="l" defTabSz="933450">
             <a:lnSpc>
               <a:spcPct val="90000"/>
             </a:lnSpc>
@@ -1946,7 +1974,6 @@
             <a:spcAft>
               <a:spcPct val="35000"/>
             </a:spcAft>
-            <a:buNone/>
           </a:pPr>
           <a:r>
             <a:rPr lang="en-US" sz="2100" kern="1200" dirty="0"/>
@@ -1964,7 +1991,7 @@
             <a:spcAft>
               <a:spcPct val="15000"/>
             </a:spcAft>
-            <a:buChar char="•"/>
+            <a:buChar char="••"/>
           </a:pPr>
           <a:r>
             <a:rPr lang="en-US" sz="1600" kern="1200"/>
@@ -1983,7 +2010,7 @@
             <a:spcAft>
               <a:spcPct val="15000"/>
             </a:spcAft>
-            <a:buChar char="•"/>
+            <a:buChar char="••"/>
           </a:pPr>
           <a:r>
             <a:rPr lang="en-US" sz="1600" kern="1200"/>
@@ -2015,7 +2042,7 @@
             <a:lum bright="70000" contrast="-70000"/>
             <a:extLst>
               <a:ext uri="{96DAC541-7B7A-43D3-8B79-37D633B846F1}">
-                <asvg:svgBlip xmlns:asvg="http://schemas.microsoft.com/office/drawing/2016/SVG/main" r:embed="rId2"/>
+                <asvg:svgBlip xmlns:asvg="http://schemas.microsoft.com/office/drawing/2016/SVG/main" xmlns="" r:embed="rId2"/>
               </a:ext>
             </a:extLst>
           </a:blip>
@@ -2097,7 +2124,7 @@
         </a:bodyPr>
         <a:lstStyle/>
         <a:p>
-          <a:pPr marL="0" lvl="0" indent="0" algn="l" defTabSz="933450">
+          <a:pPr lvl="0" algn="l" defTabSz="933450">
             <a:lnSpc>
               <a:spcPct val="90000"/>
             </a:lnSpc>
@@ -2107,7 +2134,6 @@
             <a:spcAft>
               <a:spcPct val="35000"/>
             </a:spcAft>
-            <a:buNone/>
           </a:pPr>
           <a:r>
             <a:rPr lang="en-US" sz="2100" kern="1200" dirty="0"/>
@@ -2125,7 +2151,7 @@
             <a:spcAft>
               <a:spcPct val="15000"/>
             </a:spcAft>
-            <a:buChar char="•"/>
+            <a:buChar char="••"/>
           </a:pPr>
           <a:r>
             <a:rPr lang="en-US" sz="1600" kern="1200"/>
@@ -2144,7 +2170,7 @@
             <a:spcAft>
               <a:spcPct val="15000"/>
             </a:spcAft>
-            <a:buChar char="•"/>
+            <a:buChar char="••"/>
           </a:pPr>
           <a:r>
             <a:rPr lang="en-US" sz="1600" kern="1200"/>
@@ -2163,7 +2189,7 @@
             <a:spcAft>
               <a:spcPct val="15000"/>
             </a:spcAft>
-            <a:buChar char="•"/>
+            <a:buChar char="••"/>
           </a:pPr>
           <a:r>
             <a:rPr lang="en-US" sz="1600" kern="1200"/>
@@ -2201,7 +2227,7 @@
             </a:duotone>
             <a:extLst>
               <a:ext uri="{96DAC541-7B7A-43D3-8B79-37D633B846F1}">
-                <asvg:svgBlip xmlns:asvg="http://schemas.microsoft.com/office/drawing/2016/SVG/main" r:embed="rId2"/>
+                <asvg:svgBlip xmlns:asvg="http://schemas.microsoft.com/office/drawing/2016/SVG/main" xmlns="" r:embed="rId2"/>
               </a:ext>
             </a:extLst>
           </a:blip>
@@ -3621,7 +3647,7 @@
           <a:p>
             <a:fld id="{5CABF081-077E-456C-8D08-2D2EA457E0E9}" type="datetimeFigureOut">
               <a:rPr lang="en-US" smtClean="0"/>
-              <a:t>1/25/2019</a:t>
+              <a:t>1/28/2019</a:t>
             </a:fld>
             <a:endParaRPr lang="en-US"/>
           </a:p>
@@ -3919,7 +3945,7 @@
           <a:p>
             <a:fld id="{5CABF081-077E-456C-8D08-2D2EA457E0E9}" type="datetimeFigureOut">
               <a:rPr lang="en-US" smtClean="0"/>
-              <a:t>1/25/2019</a:t>
+              <a:t>1/28/2019</a:t>
             </a:fld>
             <a:endParaRPr lang="en-US"/>
           </a:p>
@@ -4111,7 +4137,7 @@
           <a:p>
             <a:fld id="{5CABF081-077E-456C-8D08-2D2EA457E0E9}" type="datetimeFigureOut">
               <a:rPr lang="en-US" smtClean="0"/>
-              <a:t>1/25/2019</a:t>
+              <a:t>1/28/2019</a:t>
             </a:fld>
             <a:endParaRPr lang="en-US"/>
           </a:p>
@@ -4372,7 +4398,7 @@
           <a:p>
             <a:fld id="{5CABF081-077E-456C-8D08-2D2EA457E0E9}" type="datetimeFigureOut">
               <a:rPr lang="en-US" smtClean="0"/>
-              <a:t>1/25/2019</a:t>
+              <a:t>1/28/2019</a:t>
             </a:fld>
             <a:endParaRPr lang="en-US"/>
           </a:p>
@@ -4796,7 +4822,7 @@
           <a:p>
             <a:fld id="{5CABF081-077E-456C-8D08-2D2EA457E0E9}" type="datetimeFigureOut">
               <a:rPr lang="en-US" smtClean="0"/>
-              <a:t>1/25/2019</a:t>
+              <a:t>1/28/2019</a:t>
             </a:fld>
             <a:endParaRPr lang="en-US"/>
           </a:p>
@@ -5333,7 +5359,7 @@
           <a:p>
             <a:fld id="{5CABF081-077E-456C-8D08-2D2EA457E0E9}" type="datetimeFigureOut">
               <a:rPr lang="en-US" smtClean="0"/>
-              <a:t>1/25/2019</a:t>
+              <a:t>1/28/2019</a:t>
             </a:fld>
             <a:endParaRPr lang="en-US"/>
           </a:p>
@@ -6197,7 +6223,7 @@
           <a:p>
             <a:fld id="{5CABF081-077E-456C-8D08-2D2EA457E0E9}" type="datetimeFigureOut">
               <a:rPr lang="en-US" smtClean="0"/>
-              <a:t>1/25/2019</a:t>
+              <a:t>1/28/2019</a:t>
             </a:fld>
             <a:endParaRPr lang="en-US"/>
           </a:p>
@@ -6367,7 +6393,7 @@
           <a:p>
             <a:fld id="{5CABF081-077E-456C-8D08-2D2EA457E0E9}" type="datetimeFigureOut">
               <a:rPr lang="en-US" smtClean="0"/>
-              <a:t>1/25/2019</a:t>
+              <a:t>1/28/2019</a:t>
             </a:fld>
             <a:endParaRPr lang="en-US"/>
           </a:p>
@@ -6551,7 +6577,7 @@
           <a:p>
             <a:fld id="{5CABF081-077E-456C-8D08-2D2EA457E0E9}" type="datetimeFigureOut">
               <a:rPr lang="en-US" smtClean="0"/>
-              <a:t>1/25/2019</a:t>
+              <a:t>1/28/2019</a:t>
             </a:fld>
             <a:endParaRPr lang="en-US"/>
           </a:p>
@@ -6721,7 +6747,7 @@
           <a:p>
             <a:fld id="{5CABF081-077E-456C-8D08-2D2EA457E0E9}" type="datetimeFigureOut">
               <a:rPr lang="en-US" smtClean="0"/>
-              <a:t>1/25/2019</a:t>
+              <a:t>1/28/2019</a:t>
             </a:fld>
             <a:endParaRPr lang="en-US"/>
           </a:p>
@@ -6965,7 +6991,7 @@
           <a:p>
             <a:fld id="{5CABF081-077E-456C-8D08-2D2EA457E0E9}" type="datetimeFigureOut">
               <a:rPr lang="en-US" smtClean="0"/>
-              <a:t>1/25/2019</a:t>
+              <a:t>1/28/2019</a:t>
             </a:fld>
             <a:endParaRPr lang="en-US"/>
           </a:p>
@@ -7201,7 +7227,7 @@
           <a:p>
             <a:fld id="{5CABF081-077E-456C-8D08-2D2EA457E0E9}" type="datetimeFigureOut">
               <a:rPr lang="en-US" smtClean="0"/>
-              <a:t>1/25/2019</a:t>
+              <a:t>1/28/2019</a:t>
             </a:fld>
             <a:endParaRPr lang="en-US"/>
           </a:p>
@@ -7667,7 +7693,7 @@
           <a:p>
             <a:fld id="{5CABF081-077E-456C-8D08-2D2EA457E0E9}" type="datetimeFigureOut">
               <a:rPr lang="en-US" smtClean="0"/>
-              <a:t>1/25/2019</a:t>
+              <a:t>1/28/2019</a:t>
             </a:fld>
             <a:endParaRPr lang="en-US"/>
           </a:p>
@@ -7785,7 +7811,7 @@
           <a:p>
             <a:fld id="{5CABF081-077E-456C-8D08-2D2EA457E0E9}" type="datetimeFigureOut">
               <a:rPr lang="en-US" smtClean="0"/>
-              <a:t>1/25/2019</a:t>
+              <a:t>1/28/2019</a:t>
             </a:fld>
             <a:endParaRPr lang="en-US"/>
           </a:p>
@@ -7880,7 +7906,7 @@
           <a:p>
             <a:fld id="{5CABF081-077E-456C-8D08-2D2EA457E0E9}" type="datetimeFigureOut">
               <a:rPr lang="en-US" smtClean="0"/>
-              <a:t>1/25/2019</a:t>
+              <a:t>1/28/2019</a:t>
             </a:fld>
             <a:endParaRPr lang="en-US"/>
           </a:p>
@@ -8135,7 +8161,7 @@
           <a:p>
             <a:fld id="{5CABF081-077E-456C-8D08-2D2EA457E0E9}" type="datetimeFigureOut">
               <a:rPr lang="en-US" smtClean="0"/>
-              <a:t>1/25/2019</a:t>
+              <a:t>1/28/2019</a:t>
             </a:fld>
             <a:endParaRPr lang="en-US"/>
           </a:p>
@@ -8435,7 +8461,7 @@
           <a:p>
             <a:fld id="{5CABF081-077E-456C-8D08-2D2EA457E0E9}" type="datetimeFigureOut">
               <a:rPr lang="en-US" smtClean="0"/>
-              <a:t>1/25/2019</a:t>
+              <a:t>1/28/2019</a:t>
             </a:fld>
             <a:endParaRPr lang="en-US"/>
           </a:p>
@@ -8669,7 +8695,7 @@
           <a:p>
             <a:fld id="{5CABF081-077E-456C-8D08-2D2EA457E0E9}" type="datetimeFigureOut">
               <a:rPr lang="en-US" smtClean="0"/>
-              <a:t>1/25/2019</a:t>
+              <a:t>1/28/2019</a:t>
             </a:fld>
             <a:endParaRPr lang="en-US"/>
           </a:p>
@@ -9916,10 +9942,191 @@
   <p:clrMapOvr>
     <a:masterClrMapping/>
   </p:clrMapOvr>
+  <p:timing>
+    <p:tnLst>
+      <p:par>
+        <p:cTn id="1" dur="indefinite" restart="never" nodeType="tmRoot"/>
+      </p:par>
+    </p:tnLst>
+  </p:timing>
 </p:sld>
 </file>
 
 <file path=ppt/slides/slide10.xml><?xml version="1.0" encoding="utf-8"?>
+<p:sld xmlns:a="http://schemas.openxmlformats.org/drawingml/2006/main" xmlns:r="http://schemas.openxmlformats.org/officeDocument/2006/relationships" xmlns:p="http://schemas.openxmlformats.org/presentationml/2006/main">
+  <p:cSld>
+    <p:spTree>
+      <p:nvGrpSpPr>
+        <p:cNvPr id="1" name=""/>
+        <p:cNvGrpSpPr/>
+        <p:nvPr/>
+      </p:nvGrpSpPr>
+      <p:grpSpPr>
+        <a:xfrm>
+          <a:off x="0" y="0"/>
+          <a:ext cx="0" cy="0"/>
+          <a:chOff x="0" y="0"/>
+          <a:chExt cx="0" cy="0"/>
+        </a:xfrm>
+      </p:grpSpPr>
+      <p:sp>
+        <p:nvSpPr>
+          <p:cNvPr id="2" name="Title 1">
+            <a:extLst>
+              <a:ext uri="{FF2B5EF4-FFF2-40B4-BE49-F238E27FC236}">
+                <a16:creationId xmlns:a16="http://schemas.microsoft.com/office/drawing/2014/main" id="{9ECF0319-91CF-4EE0-9EE1-DFA4D9A0B972}"/>
+              </a:ext>
+            </a:extLst>
+          </p:cNvPr>
+          <p:cNvSpPr>
+            <a:spLocks noGrp="1"/>
+          </p:cNvSpPr>
+          <p:nvPr>
+            <p:ph type="title"/>
+          </p:nvPr>
+        </p:nvSpPr>
+        <p:spPr/>
+        <p:txBody>
+          <a:bodyPr/>
+          <a:lstStyle/>
+          <a:p>
+            <a:r>
+              <a:rPr lang="en-US" dirty="0"/>
+              <a:t>replication</a:t>
+            </a:r>
+          </a:p>
+        </p:txBody>
+      </p:sp>
+      <p:sp>
+        <p:nvSpPr>
+          <p:cNvPr id="3" name="Content Placeholder 2">
+            <a:extLst>
+              <a:ext uri="{FF2B5EF4-FFF2-40B4-BE49-F238E27FC236}">
+                <a16:creationId xmlns:a16="http://schemas.microsoft.com/office/drawing/2014/main" id="{24E4F792-66A9-496C-8321-1660D226528B}"/>
+              </a:ext>
+            </a:extLst>
+          </p:cNvPr>
+          <p:cNvSpPr>
+            <a:spLocks noGrp="1"/>
+          </p:cNvSpPr>
+          <p:nvPr>
+            <p:ph idx="1"/>
+          </p:nvPr>
+        </p:nvSpPr>
+        <p:spPr>
+          <a:xfrm>
+            <a:off x="913795" y="2414017"/>
+            <a:ext cx="10353762" cy="2898648"/>
+          </a:xfrm>
+        </p:spPr>
+        <p:txBody>
+          <a:bodyPr/>
+          <a:lstStyle/>
+          <a:p>
+            <a:r>
+              <a:rPr lang="en-US" dirty="0"/>
+              <a:t>Near real-time clone</a:t>
+            </a:r>
+          </a:p>
+          <a:p>
+            <a:r>
+              <a:rPr lang="en-US" dirty="0"/>
+              <a:t>Requires server configuration</a:t>
+            </a:r>
+          </a:p>
+          <a:p>
+            <a:r>
+              <a:rPr lang="en-US" dirty="0"/>
+              <a:t>Scalability is an issue</a:t>
+            </a:r>
+          </a:p>
+          <a:p>
+            <a:r>
+              <a:rPr lang="en-US" dirty="0"/>
+              <a:t>Locks down objects in the source database</a:t>
+            </a:r>
+          </a:p>
+          <a:p>
+            <a:r>
+              <a:rPr lang="en-US" dirty="0"/>
+              <a:t>Haven’t seen updates ever since SQL 2008</a:t>
+            </a:r>
+          </a:p>
+        </p:txBody>
+      </p:sp>
+      <p:pic>
+        <p:nvPicPr>
+          <p:cNvPr id="5" name="Picture 4">
+            <a:extLst>
+              <a:ext uri="{FF2B5EF4-FFF2-40B4-BE49-F238E27FC236}">
+                <a16:creationId xmlns:a16="http://schemas.microsoft.com/office/drawing/2014/main" id="{745B221B-BEFE-4CC1-8E25-0001750B693A}"/>
+              </a:ext>
+            </a:extLst>
+          </p:cNvPr>
+          <p:cNvPicPr>
+            <a:picLocks noChangeAspect="1"/>
+          </p:cNvPicPr>
+          <p:nvPr/>
+        </p:nvPicPr>
+        <p:blipFill>
+          <a:blip r:embed="rId2">
+            <a:extLst>
+              <a:ext uri="{28A0092B-C50C-407E-A947-70E740481C1C}">
+                <a14:useLocalDpi xmlns:a14="http://schemas.microsoft.com/office/drawing/2010/main" val="0"/>
+              </a:ext>
+              <a:ext uri="{837473B0-CC2E-450A-ABE3-18F120FF3D39}">
+                <a1611:picAttrSrcUrl xmlns:a1611="http://schemas.microsoft.com/office/drawing/2016/11/main" xmlns="" r:id="rId3"/>
+              </a:ext>
+            </a:extLst>
+          </a:blip>
+          <a:stretch>
+            <a:fillRect/>
+          </a:stretch>
+        </p:blipFill>
+        <p:spPr>
+          <a:xfrm>
+            <a:off x="7013978" y="2414016"/>
+            <a:ext cx="4397543" cy="2338578"/>
+          </a:xfrm>
+          <a:prstGeom prst="rect">
+            <a:avLst/>
+          </a:prstGeom>
+          <a:ln w="127000" cap="sq">
+            <a:solidFill>
+              <a:srgbClr val="000000"/>
+            </a:solidFill>
+            <a:miter lim="800000"/>
+          </a:ln>
+          <a:effectLst>
+            <a:outerShdw blurRad="57150" dist="50800" dir="2700000" algn="tl" rotWithShape="0">
+              <a:srgbClr val="000000">
+                <a:alpha val="40000"/>
+              </a:srgbClr>
+            </a:outerShdw>
+          </a:effectLst>
+        </p:spPr>
+      </p:pic>
+    </p:spTree>
+    <p:extLst>
+      <p:ext uri="{BB962C8B-B14F-4D97-AF65-F5344CB8AC3E}">
+        <p14:creationId xmlns:p14="http://schemas.microsoft.com/office/powerpoint/2010/main" val="1693465109"/>
+      </p:ext>
+    </p:extLst>
+  </p:cSld>
+  <p:clrMapOvr>
+    <a:masterClrMapping/>
+  </p:clrMapOvr>
+  <p:timing>
+    <p:tnLst>
+      <p:par>
+        <p:cTn id="1" dur="indefinite" restart="never" nodeType="tmRoot"/>
+      </p:par>
+    </p:tnLst>
+  </p:timing>
+</p:sld>
+</file>
+
+<file path=ppt/slides/slide11.xml><?xml version="1.0" encoding="utf-8"?>
 <p:sld xmlns:a="http://schemas.openxmlformats.org/drawingml/2006/main" xmlns:r="http://schemas.openxmlformats.org/officeDocument/2006/relationships" xmlns:p="http://schemas.openxmlformats.org/presentationml/2006/main">
   <p:cSld>
     <p:spTree>
@@ -10048,7 +10255,7 @@
                 <a14:useLocalDpi xmlns:a14="http://schemas.microsoft.com/office/drawing/2010/main" val="0"/>
               </a:ext>
               <a:ext uri="{837473B0-CC2E-450A-ABE3-18F120FF3D39}">
-                <a1611:picAttrSrcUrl xmlns:a1611="http://schemas.microsoft.com/office/drawing/2016/11/main" r:id="rId3"/>
+                <a1611:picAttrSrcUrl xmlns:a1611="http://schemas.microsoft.com/office/drawing/2016/11/main" xmlns="" r:id="rId3"/>
               </a:ext>
             </a:extLst>
           </a:blip>
@@ -10089,10 +10296,17 @@
   <p:clrMapOvr>
     <a:masterClrMapping/>
   </p:clrMapOvr>
+  <p:timing>
+    <p:tnLst>
+      <p:par>
+        <p:cTn id="1" dur="indefinite" restart="never" nodeType="tmRoot"/>
+      </p:par>
+    </p:tnLst>
+  </p:timing>
 </p:sld>
 </file>
 
-<file path=ppt/slides/slide11.xml><?xml version="1.0" encoding="utf-8"?>
+<file path=ppt/slides/slide12.xml><?xml version="1.0" encoding="utf-8"?>
 <p:sld xmlns:a="http://schemas.openxmlformats.org/drawingml/2006/main" xmlns:r="http://schemas.openxmlformats.org/officeDocument/2006/relationships" xmlns:p="http://schemas.openxmlformats.org/presentationml/2006/main">
   <p:cSld>
     <p:spTree>
@@ -10206,7 +10420,7 @@
                 <a14:useLocalDpi xmlns:a14="http://schemas.microsoft.com/office/drawing/2010/main" val="0"/>
               </a:ext>
               <a:ext uri="{96DAC541-7B7A-43D3-8B79-37D633B846F1}">
-                <asvg:svgBlip xmlns:asvg="http://schemas.microsoft.com/office/drawing/2016/SVG/main" r:embed="rId3"/>
+                <asvg:svgBlip xmlns:asvg="http://schemas.microsoft.com/office/drawing/2016/SVG/main" xmlns="" r:embed="rId3"/>
               </a:ext>
             </a:extLst>
           </a:blip>
@@ -10252,7 +10466,7 @@
                 <a14:useLocalDpi xmlns:a14="http://schemas.microsoft.com/office/drawing/2010/main" val="0"/>
               </a:ext>
               <a:ext uri="{96DAC541-7B7A-43D3-8B79-37D633B846F1}">
-                <asvg:svgBlip xmlns:asvg="http://schemas.microsoft.com/office/drawing/2016/SVG/main" r:embed="rId5"/>
+                <asvg:svgBlip xmlns:asvg="http://schemas.microsoft.com/office/drawing/2016/SVG/main" xmlns="" r:embed="rId5"/>
               </a:ext>
             </a:extLst>
           </a:blip>
@@ -10324,10 +10538,17 @@
   <p:clrMapOvr>
     <a:masterClrMapping/>
   </p:clrMapOvr>
+  <p:timing>
+    <p:tnLst>
+      <p:par>
+        <p:cTn id="1" dur="indefinite" restart="never" nodeType="tmRoot"/>
+      </p:par>
+    </p:tnLst>
+  </p:timing>
 </p:sld>
 </file>
 
-<file path=ppt/slides/slide12.xml><?xml version="1.0" encoding="utf-8"?>
+<file path=ppt/slides/slide13.xml><?xml version="1.0" encoding="utf-8"?>
 <p:sld xmlns:a="http://schemas.openxmlformats.org/drawingml/2006/main" xmlns:r="http://schemas.openxmlformats.org/officeDocument/2006/relationships" xmlns:p="http://schemas.openxmlformats.org/presentationml/2006/main">
   <p:cSld>
     <p:spTree>
@@ -10438,13 +10659,13 @@
           <p:nvPr/>
         </p:nvPicPr>
         <p:blipFill>
-          <a:blip r:embed="rId2">
+          <a:blip r:embed="rId2" cstate="hqprint">
             <a:extLst>
               <a:ext uri="{28A0092B-C50C-407E-A947-70E740481C1C}">
                 <a14:useLocalDpi xmlns:a14="http://schemas.microsoft.com/office/drawing/2010/main" val="0"/>
               </a:ext>
               <a:ext uri="{837473B0-CC2E-450A-ABE3-18F120FF3D39}">
-                <a1611:picAttrSrcUrl xmlns:a1611="http://schemas.microsoft.com/office/drawing/2016/11/main" r:id="rId3"/>
+                <a1611:picAttrSrcUrl xmlns:a1611="http://schemas.microsoft.com/office/drawing/2016/11/main" xmlns="" r:id="rId3"/>
               </a:ext>
             </a:extLst>
           </a:blip>
@@ -10484,10 +10705,17 @@
   <p:clrMapOvr>
     <a:masterClrMapping/>
   </p:clrMapOvr>
+  <p:timing>
+    <p:tnLst>
+      <p:par>
+        <p:cTn id="1" dur="indefinite" restart="never" nodeType="tmRoot"/>
+      </p:par>
+    </p:tnLst>
+  </p:timing>
 </p:sld>
 </file>
 
-<file path=ppt/slides/slide13.xml><?xml version="1.0" encoding="utf-8"?>
+<file path=ppt/slides/slide14.xml><?xml version="1.0" encoding="utf-8"?>
 <p:sld xmlns:a="http://schemas.openxmlformats.org/drawingml/2006/main" xmlns:r="http://schemas.openxmlformats.org/officeDocument/2006/relationships" xmlns:p="http://schemas.openxmlformats.org/presentationml/2006/main">
   <p:cSld>
     <p:spTree>
@@ -10610,7 +10838,7 @@
                 <a14:useLocalDpi xmlns:a14="http://schemas.microsoft.com/office/drawing/2010/main" val="0"/>
               </a:ext>
               <a:ext uri="{837473B0-CC2E-450A-ABE3-18F120FF3D39}">
-                <a1611:picAttrSrcUrl xmlns:a1611="http://schemas.microsoft.com/office/drawing/2016/11/main" r:id="rId3"/>
+                <a1611:picAttrSrcUrl xmlns:a1611="http://schemas.microsoft.com/office/drawing/2016/11/main" xmlns="" r:id="rId3"/>
               </a:ext>
             </a:extLst>
           </a:blip>
@@ -10651,6 +10879,13 @@
   <p:clrMapOvr>
     <a:masterClrMapping/>
   </p:clrMapOvr>
+  <p:timing>
+    <p:tnLst>
+      <p:par>
+        <p:cTn id="1" dur="indefinite" restart="never" nodeType="tmRoot"/>
+      </p:par>
+    </p:tnLst>
+  </p:timing>
 </p:sld>
 </file>
 
@@ -10673,6 +10908,179 @@
       </p:grpSpPr>
       <p:sp>
         <p:nvSpPr>
+          <p:cNvPr id="2" name="Title 1"/>
+          <p:cNvSpPr>
+            <a:spLocks noGrp="1"/>
+          </p:cNvSpPr>
+          <p:nvPr>
+            <p:ph type="title"/>
+          </p:nvPr>
+        </p:nvSpPr>
+        <p:spPr>
+          <a:xfrm>
+            <a:off x="913795" y="609600"/>
+            <a:ext cx="10353762" cy="970450"/>
+          </a:xfrm>
+        </p:spPr>
+        <p:txBody>
+          <a:bodyPr/>
+          <a:lstStyle/>
+          <a:p>
+            <a:r>
+              <a:rPr lang="en-CA" dirty="0" err="1"/>
+              <a:t>about:me</a:t>
+            </a:r>
+            <a:endParaRPr lang="en-US" dirty="0"/>
+          </a:p>
+        </p:txBody>
+      </p:sp>
+      <p:sp>
+        <p:nvSpPr>
+          <p:cNvPr id="3" name="Content Placeholder 2"/>
+          <p:cNvSpPr>
+            <a:spLocks noGrp="1"/>
+          </p:cNvSpPr>
+          <p:nvPr>
+            <p:ph idx="1"/>
+          </p:nvPr>
+        </p:nvSpPr>
+        <p:spPr>
+          <a:xfrm>
+            <a:off x="913795" y="2388996"/>
+            <a:ext cx="10353762" cy="2745656"/>
+          </a:xfrm>
+        </p:spPr>
+        <p:txBody>
+          <a:bodyPr/>
+          <a:lstStyle/>
+          <a:p>
+            <a:r>
+              <a:rPr lang="en-CA" dirty="0"/>
+              <a:t>Kirill Kravtsov - @</a:t>
+            </a:r>
+            <a:r>
+              <a:rPr lang="en-CA" dirty="0" err="1"/>
+              <a:t>nvarscar</a:t>
+            </a:r>
+            <a:endParaRPr lang="en-CA" dirty="0"/>
+          </a:p>
+          <a:p>
+            <a:pPr lvl="1"/>
+            <a:r>
+              <a:rPr lang="en-CA" dirty="0"/>
+              <a:t>SQL Server DBA at Wawanesa Insurance</a:t>
+            </a:r>
+          </a:p>
+          <a:p>
+            <a:pPr lvl="1"/>
+            <a:r>
+              <a:rPr lang="en-CA" dirty="0"/>
+              <a:t>10 years of SQL Server experience</a:t>
+            </a:r>
+          </a:p>
+          <a:p>
+            <a:pPr lvl="1"/>
+            <a:r>
+              <a:rPr lang="en-CA" dirty="0"/>
+              <a:t>DB Engine, SSRS, SSIS, SSAS</a:t>
+            </a:r>
+          </a:p>
+          <a:p>
+            <a:pPr lvl="1"/>
+            <a:r>
+              <a:rPr lang="en-CA" dirty="0"/>
+              <a:t>Automation – VBS, T-SQL, </a:t>
+            </a:r>
+            <a:r>
+              <a:rPr lang="en-CA" dirty="0" err="1"/>
+              <a:t>Powershell</a:t>
+            </a:r>
+            <a:endParaRPr lang="en-CA" dirty="0"/>
+          </a:p>
+        </p:txBody>
+      </p:sp>
+      <p:pic>
+        <p:nvPicPr>
+          <p:cNvPr id="4" name="Picture 3"/>
+          <p:cNvPicPr>
+            <a:picLocks noChangeAspect="1"/>
+          </p:cNvPicPr>
+          <p:nvPr/>
+        </p:nvPicPr>
+        <p:blipFill rotWithShape="1">
+          <a:blip r:embed="rId2">
+            <a:extLst>
+              <a:ext uri="{28A0092B-C50C-407E-A947-70E740481C1C}">
+                <a14:useLocalDpi xmlns:a14="http://schemas.microsoft.com/office/drawing/2010/main" val="0"/>
+              </a:ext>
+            </a:extLst>
+          </a:blip>
+          <a:srcRect t="17283" r="35511" b="12319"/>
+          <a:stretch/>
+        </p:blipFill>
+        <p:spPr>
+          <a:xfrm rot="5400000">
+            <a:off x="8387121" y="2345774"/>
+            <a:ext cx="2745655" cy="2247901"/>
+          </a:xfrm>
+          <a:prstGeom prst="rect">
+            <a:avLst/>
+          </a:prstGeom>
+          <a:ln w="38100" cap="sq">
+            <a:solidFill>
+              <a:srgbClr val="000000"/>
+            </a:solidFill>
+            <a:prstDash val="solid"/>
+            <a:miter lim="800000"/>
+          </a:ln>
+          <a:effectLst>
+            <a:outerShdw blurRad="50800" dist="38100" dir="2700000" algn="tl" rotWithShape="0">
+              <a:srgbClr val="000000">
+                <a:alpha val="43000"/>
+              </a:srgbClr>
+            </a:outerShdw>
+          </a:effectLst>
+        </p:spPr>
+      </p:pic>
+    </p:spTree>
+    <p:extLst>
+      <p:ext uri="{BB962C8B-B14F-4D97-AF65-F5344CB8AC3E}">
+        <p14:creationId xmlns:p14="http://schemas.microsoft.com/office/powerpoint/2010/main" val="1543057890"/>
+      </p:ext>
+    </p:extLst>
+  </p:cSld>
+  <p:clrMapOvr>
+    <a:masterClrMapping/>
+  </p:clrMapOvr>
+  <p:timing>
+    <p:tnLst>
+      <p:par>
+        <p:cTn id="1" dur="indefinite" restart="never" nodeType="tmRoot"/>
+      </p:par>
+    </p:tnLst>
+  </p:timing>
+</p:sld>
+</file>
+
+<file path=ppt/slides/slide3.xml><?xml version="1.0" encoding="utf-8"?>
+<p:sld xmlns:a="http://schemas.openxmlformats.org/drawingml/2006/main" xmlns:r="http://schemas.openxmlformats.org/officeDocument/2006/relationships" xmlns:p="http://schemas.openxmlformats.org/presentationml/2006/main">
+  <p:cSld>
+    <p:spTree>
+      <p:nvGrpSpPr>
+        <p:cNvPr id="1" name=""/>
+        <p:cNvGrpSpPr/>
+        <p:nvPr/>
+      </p:nvGrpSpPr>
+      <p:grpSpPr>
+        <a:xfrm>
+          <a:off x="0" y="0"/>
+          <a:ext cx="0" cy="0"/>
+          <a:chOff x="0" y="0"/>
+          <a:chExt cx="0" cy="0"/>
+        </a:xfrm>
+      </p:grpSpPr>
+      <p:sp>
+        <p:nvSpPr>
           <p:cNvPr id="2" name="Title 1">
             <a:extLst>
               <a:ext uri="{FF2B5EF4-FFF2-40B4-BE49-F238E27FC236}">
@@ -10783,10 +11191,17 @@
   <p:clrMapOvr>
     <a:masterClrMapping/>
   </p:clrMapOvr>
+  <p:timing>
+    <p:tnLst>
+      <p:par>
+        <p:cTn id="1" dur="indefinite" restart="never" nodeType="tmRoot"/>
+      </p:par>
+    </p:tnLst>
+  </p:timing>
 </p:sld>
 </file>
 
-<file path=ppt/slides/slide3.xml><?xml version="1.0" encoding="utf-8"?>
+<file path=ppt/slides/slide4.xml><?xml version="1.0" encoding="utf-8"?>
 <p:sld xmlns:a="http://schemas.openxmlformats.org/drawingml/2006/main" xmlns:r="http://schemas.openxmlformats.org/officeDocument/2006/relationships" xmlns:p="http://schemas.openxmlformats.org/presentationml/2006/main">
   <p:cSld>
     <p:spTree>
@@ -10882,10 +11297,17 @@
   <p:clrMapOvr>
     <a:masterClrMapping/>
   </p:clrMapOvr>
+  <p:timing>
+    <p:tnLst>
+      <p:par>
+        <p:cTn id="1" dur="indefinite" restart="never" nodeType="tmRoot"/>
+      </p:par>
+    </p:tnLst>
+  </p:timing>
 </p:sld>
 </file>
 
-<file path=ppt/slides/slide4.xml><?xml version="1.0" encoding="utf-8"?>
+<file path=ppt/slides/slide5.xml><?xml version="1.0" encoding="utf-8"?>
 <p:sld xmlns:a="http://schemas.openxmlformats.org/drawingml/2006/main" xmlns:r="http://schemas.openxmlformats.org/officeDocument/2006/relationships" xmlns:p="http://schemas.openxmlformats.org/presentationml/2006/main">
   <p:cSld>
     <p:spTree>
@@ -11387,7 +11809,7 @@
                 <a14:useLocalDpi xmlns:a14="http://schemas.microsoft.com/office/drawing/2010/main" val="0"/>
               </a:ext>
               <a:ext uri="{96DAC541-7B7A-43D3-8B79-37D633B846F1}">
-                <asvg:svgBlip xmlns:asvg="http://schemas.microsoft.com/office/drawing/2016/SVG/main" r:embed="rId3"/>
+                <asvg:svgBlip xmlns:asvg="http://schemas.microsoft.com/office/drawing/2016/SVG/main" xmlns="" r:embed="rId3"/>
               </a:ext>
             </a:extLst>
           </a:blip>
@@ -11611,7 +12033,7 @@
                 <a14:useLocalDpi xmlns:a14="http://schemas.microsoft.com/office/drawing/2010/main" val="0"/>
               </a:ext>
               <a:ext uri="{96DAC541-7B7A-43D3-8B79-37D633B846F1}">
-                <asvg:svgBlip xmlns:asvg="http://schemas.microsoft.com/office/drawing/2016/SVG/main" r:embed="rId3"/>
+                <asvg:svgBlip xmlns:asvg="http://schemas.microsoft.com/office/drawing/2016/SVG/main" xmlns="" r:embed="rId3"/>
               </a:ext>
             </a:extLst>
           </a:blip>
@@ -12422,7 +12844,7 @@
 </p:sld>
 </file>
 
-<file path=ppt/slides/slide5.xml><?xml version="1.0" encoding="utf-8"?>
+<file path=ppt/slides/slide6.xml><?xml version="1.0" encoding="utf-8"?>
 <p:sld xmlns:a="http://schemas.openxmlformats.org/drawingml/2006/main" xmlns:r="http://schemas.openxmlformats.org/officeDocument/2006/relationships" xmlns:p="http://schemas.openxmlformats.org/presentationml/2006/main">
   <p:cSld>
     <p:spTree>
@@ -14397,7 +14819,7 @@
 </p:sld>
 </file>
 
-<file path=ppt/slides/slide6.xml><?xml version="1.0" encoding="utf-8"?>
+<file path=ppt/slides/slide7.xml><?xml version="1.0" encoding="utf-8"?>
 <p:sld xmlns:a="http://schemas.openxmlformats.org/drawingml/2006/main" xmlns:r="http://schemas.openxmlformats.org/officeDocument/2006/relationships" xmlns:p="http://schemas.openxmlformats.org/presentationml/2006/main">
   <p:cSld>
     <p:spTree>
@@ -16256,7 +16678,7 @@
 </p:sld>
 </file>
 
-<file path=ppt/slides/slide7.xml><?xml version="1.0" encoding="utf-8"?>
+<file path=ppt/slides/slide8.xml><?xml version="1.0" encoding="utf-8"?>
 <p:sld xmlns:a="http://schemas.openxmlformats.org/drawingml/2006/main" xmlns:r="http://schemas.openxmlformats.org/officeDocument/2006/relationships" xmlns:p="http://schemas.openxmlformats.org/presentationml/2006/main">
   <p:cSld>
     <p:spTree>
@@ -16460,10 +16882,17 @@
   <p:clrMapOvr>
     <a:masterClrMapping/>
   </p:clrMapOvr>
+  <p:timing>
+    <p:tnLst>
+      <p:par>
+        <p:cTn id="1" dur="indefinite" restart="never" nodeType="tmRoot"/>
+      </p:par>
+    </p:tnLst>
+  </p:timing>
 </p:sld>
 </file>
 
-<file path=ppt/slides/slide8.xml><?xml version="1.0" encoding="utf-8"?>
+<file path=ppt/slides/slide9.xml><?xml version="1.0" encoding="utf-8"?>
 <p:sld xmlns:a="http://schemas.openxmlformats.org/drawingml/2006/main" xmlns:r="http://schemas.openxmlformats.org/officeDocument/2006/relationships" xmlns:p="http://schemas.openxmlformats.org/presentationml/2006/main">
   <p:cSld>
     <p:spTree>
@@ -16588,7 +17017,7 @@
                 <a14:useLocalDpi xmlns:a14="http://schemas.microsoft.com/office/drawing/2010/main" val="0"/>
               </a:ext>
               <a:ext uri="{96DAC541-7B7A-43D3-8B79-37D633B846F1}">
-                <asvg:svgBlip xmlns:asvg="http://schemas.microsoft.com/office/drawing/2016/SVG/main" r:embed="rId3"/>
+                <asvg:svgBlip xmlns:asvg="http://schemas.microsoft.com/office/drawing/2016/SVG/main" xmlns="" r:embed="rId3"/>
               </a:ext>
             </a:extLst>
           </a:blip>
@@ -16634,7 +17063,7 @@
                 <a14:useLocalDpi xmlns:a14="http://schemas.microsoft.com/office/drawing/2010/main" val="0"/>
               </a:ext>
               <a:ext uri="{96DAC541-7B7A-43D3-8B79-37D633B846F1}">
-                <asvg:svgBlip xmlns:asvg="http://schemas.microsoft.com/office/drawing/2016/SVG/main" r:embed="rId5"/>
+                <asvg:svgBlip xmlns:asvg="http://schemas.microsoft.com/office/drawing/2016/SVG/main" xmlns="" r:embed="rId5"/>
               </a:ext>
             </a:extLst>
           </a:blip>
@@ -16742,173 +17171,13 @@
   <p:clrMapOvr>
     <a:masterClrMapping/>
   </p:clrMapOvr>
-</p:sld>
-</file>
-
-<file path=ppt/slides/slide9.xml><?xml version="1.0" encoding="utf-8"?>
-<p:sld xmlns:a="http://schemas.openxmlformats.org/drawingml/2006/main" xmlns:r="http://schemas.openxmlformats.org/officeDocument/2006/relationships" xmlns:p="http://schemas.openxmlformats.org/presentationml/2006/main">
-  <p:cSld>
-    <p:spTree>
-      <p:nvGrpSpPr>
-        <p:cNvPr id="1" name=""/>
-        <p:cNvGrpSpPr/>
-        <p:nvPr/>
-      </p:nvGrpSpPr>
-      <p:grpSpPr>
-        <a:xfrm>
-          <a:off x="0" y="0"/>
-          <a:ext cx="0" cy="0"/>
-          <a:chOff x="0" y="0"/>
-          <a:chExt cx="0" cy="0"/>
-        </a:xfrm>
-      </p:grpSpPr>
-      <p:sp>
-        <p:nvSpPr>
-          <p:cNvPr id="2" name="Title 1">
-            <a:extLst>
-              <a:ext uri="{FF2B5EF4-FFF2-40B4-BE49-F238E27FC236}">
-                <a16:creationId xmlns:a16="http://schemas.microsoft.com/office/drawing/2014/main" id="{9ECF0319-91CF-4EE0-9EE1-DFA4D9A0B972}"/>
-              </a:ext>
-            </a:extLst>
-          </p:cNvPr>
-          <p:cNvSpPr>
-            <a:spLocks noGrp="1"/>
-          </p:cNvSpPr>
-          <p:nvPr>
-            <p:ph type="title"/>
-          </p:nvPr>
-        </p:nvSpPr>
-        <p:spPr/>
-        <p:txBody>
-          <a:bodyPr/>
-          <a:lstStyle/>
-          <a:p>
-            <a:r>
-              <a:rPr lang="en-US" dirty="0"/>
-              <a:t>replication</a:t>
-            </a:r>
-          </a:p>
-        </p:txBody>
-      </p:sp>
-      <p:sp>
-        <p:nvSpPr>
-          <p:cNvPr id="3" name="Content Placeholder 2">
-            <a:extLst>
-              <a:ext uri="{FF2B5EF4-FFF2-40B4-BE49-F238E27FC236}">
-                <a16:creationId xmlns:a16="http://schemas.microsoft.com/office/drawing/2014/main" id="{24E4F792-66A9-496C-8321-1660D226528B}"/>
-              </a:ext>
-            </a:extLst>
-          </p:cNvPr>
-          <p:cNvSpPr>
-            <a:spLocks noGrp="1"/>
-          </p:cNvSpPr>
-          <p:nvPr>
-            <p:ph idx="1"/>
-          </p:nvPr>
-        </p:nvSpPr>
-        <p:spPr>
-          <a:xfrm>
-            <a:off x="913795" y="2414017"/>
-            <a:ext cx="10353762" cy="2898648"/>
-          </a:xfrm>
-        </p:spPr>
-        <p:txBody>
-          <a:bodyPr/>
-          <a:lstStyle/>
-          <a:p>
-            <a:r>
-              <a:rPr lang="en-US" dirty="0"/>
-              <a:t>Near real-time clone</a:t>
-            </a:r>
-          </a:p>
-          <a:p>
-            <a:r>
-              <a:rPr lang="en-US" dirty="0"/>
-              <a:t>Requires server configuration</a:t>
-            </a:r>
-          </a:p>
-          <a:p>
-            <a:r>
-              <a:rPr lang="en-US" dirty="0"/>
-              <a:t>Scalability is an issue</a:t>
-            </a:r>
-          </a:p>
-          <a:p>
-            <a:r>
-              <a:rPr lang="en-US" dirty="0"/>
-              <a:t>Locks down objects in the source database</a:t>
-            </a:r>
-          </a:p>
-          <a:p>
-            <a:r>
-              <a:rPr lang="en-US" dirty="0"/>
-              <a:t>Haven’t seen updates ever since SQL 2008</a:t>
-            </a:r>
-          </a:p>
-        </p:txBody>
-      </p:sp>
-      <p:pic>
-        <p:nvPicPr>
-          <p:cNvPr id="5" name="Picture 4">
-            <a:extLst>
-              <a:ext uri="{FF2B5EF4-FFF2-40B4-BE49-F238E27FC236}">
-                <a16:creationId xmlns:a16="http://schemas.microsoft.com/office/drawing/2014/main" id="{745B221B-BEFE-4CC1-8E25-0001750B693A}"/>
-              </a:ext>
-            </a:extLst>
-          </p:cNvPr>
-          <p:cNvPicPr>
-            <a:picLocks noChangeAspect="1"/>
-          </p:cNvPicPr>
-          <p:nvPr/>
-        </p:nvPicPr>
-        <p:blipFill>
-          <a:blip r:embed="rId2">
-            <a:extLst>
-              <a:ext uri="{28A0092B-C50C-407E-A947-70E740481C1C}">
-                <a14:useLocalDpi xmlns:a14="http://schemas.microsoft.com/office/drawing/2010/main" val="0"/>
-              </a:ext>
-              <a:ext uri="{837473B0-CC2E-450A-ABE3-18F120FF3D39}">
-                <a1611:picAttrSrcUrl xmlns:a1611="http://schemas.microsoft.com/office/drawing/2016/11/main" r:id="rId3"/>
-              </a:ext>
-            </a:extLst>
-          </a:blip>
-          <a:stretch>
-            <a:fillRect/>
-          </a:stretch>
-        </p:blipFill>
-        <p:spPr>
-          <a:xfrm>
-            <a:off x="7013978" y="2414016"/>
-            <a:ext cx="4397543" cy="2338578"/>
-          </a:xfrm>
-          <a:prstGeom prst="rect">
-            <a:avLst/>
-          </a:prstGeom>
-          <a:ln w="127000" cap="sq">
-            <a:solidFill>
-              <a:srgbClr val="000000"/>
-            </a:solidFill>
-            <a:miter lim="800000"/>
-          </a:ln>
-          <a:effectLst>
-            <a:outerShdw blurRad="57150" dist="50800" dir="2700000" algn="tl" rotWithShape="0">
-              <a:srgbClr val="000000">
-                <a:alpha val="40000"/>
-              </a:srgbClr>
-            </a:outerShdw>
-          </a:effectLst>
-        </p:spPr>
-      </p:pic>
-    </p:spTree>
-    <p:extLst>
-      <p:ext uri="{BB962C8B-B14F-4D97-AF65-F5344CB8AC3E}">
-        <p14:creationId xmlns:p14="http://schemas.microsoft.com/office/powerpoint/2010/main" val="1693465109"/>
-      </p:ext>
-    </p:extLst>
-  </p:cSld>
-  <p:clrMapOvr>
-    <a:masterClrMapping/>
-  </p:clrMapOvr>
+  <p:timing>
+    <p:tnLst>
+      <p:par>
+        <p:cTn id="1" dur="indefinite" restart="never" nodeType="tmRoot"/>
+      </p:par>
+    </p:tnLst>
+  </p:timing>
 </p:sld>
 </file>
 
